--- a/documentation/Presentation.pptx
+++ b/documentation/Presentation.pptx
@@ -7,15 +7,17 @@
     <p:sldMasterId id="2147483674" r:id="rId3"/>
   </p:sldMasterIdLst>
   <p:notesMasterIdLst>
-    <p:notesMasterId r:id="rId10"/>
+    <p:notesMasterId r:id="rId12"/>
   </p:notesMasterIdLst>
   <p:sldIdLst>
     <p:sldId id="256" r:id="rId4"/>
     <p:sldId id="269" r:id="rId5"/>
     <p:sldId id="258" r:id="rId6"/>
-    <p:sldId id="259" r:id="rId7"/>
-    <p:sldId id="261" r:id="rId8"/>
-    <p:sldId id="267" r:id="rId9"/>
+    <p:sldId id="271" r:id="rId7"/>
+    <p:sldId id="270" r:id="rId8"/>
+    <p:sldId id="259" r:id="rId9"/>
+    <p:sldId id="261" r:id="rId10"/>
+    <p:sldId id="267" r:id="rId11"/>
   </p:sldIdLst>
   <p:sldSz cx="12192000" cy="6858000"/>
   <p:notesSz cx="6858000" cy="9144000"/>
@@ -680,7 +682,7 @@
                 <a:latin typeface="+mn-lt"/>
                 <a:ea typeface="+mn-ea"/>
               </a:rPr>
-              <a:t>6</a:t>
+              <a:t>8</a:t>
             </a:fld>
             <a:endParaRPr lang="en-US" sz="1200" b="0" strike="noStrike" spc="-1">
               <a:latin typeface="Times New Roman"/>
@@ -5333,7 +5335,7 @@
                 </a:solidFill>
                 <a:latin typeface="Segoe UI"/>
               </a:rPr>
-              <a:t>3/6/20</a:t>
+              <a:t>3/7/20</a:t>
             </a:fld>
             <a:endParaRPr lang="en-US" sz="1200" b="0" strike="noStrike" spc="-1">
               <a:latin typeface="Times New Roman"/>
@@ -5989,7 +5991,7 @@
                 </a:solidFill>
                 <a:latin typeface="Segoe UI"/>
               </a:rPr>
-              <a:t>3/6/20</a:t>
+              <a:t>3/7/20</a:t>
             </a:fld>
             <a:endParaRPr lang="en-US" sz="1200" b="0" strike="noStrike" spc="-1">
               <a:latin typeface="Times New Roman"/>
@@ -6777,7 +6779,7 @@
                 </a:solidFill>
                 <a:latin typeface="Segoe UI"/>
               </a:rPr>
-              <a:t>3/6/20</a:t>
+              <a:t>3/7/20</a:t>
             </a:fld>
             <a:endParaRPr lang="en-US" sz="1200" b="0" strike="noStrike" spc="-1">
               <a:latin typeface="Times New Roman"/>
@@ -7616,7 +7618,7 @@
         <p:spPr>
           <a:xfrm>
             <a:off x="556585" y="3912234"/>
-            <a:ext cx="7415841" cy="2431435"/>
+            <a:ext cx="10489367" cy="1815882"/>
           </a:xfrm>
           <a:prstGeom prst="rect">
             <a:avLst/>
@@ -7696,7 +7698,7 @@
                 <a:latin typeface="Segoe UI" panose="020B0502040204020203" pitchFamily="34" charset="0"/>
                 <a:cs typeface="Segoe UI" panose="020B0502040204020203" pitchFamily="34" charset="0"/>
               </a:rPr>
-              <a:t>If there is no available seats in class, it will be deactivate to be enrolled.</a:t>
+              <a:t>If there is no available seats in class, it will be deactivated to be enrolled.</a:t>
             </a:r>
           </a:p>
           <a:p>
@@ -8200,14 +8202,14 @@
       </p:grpSpPr>
       <p:sp>
         <p:nvSpPr>
-          <p:cNvPr id="148" name="CustomShape 1"/>
-          <p:cNvSpPr/>
+          <p:cNvPr id="143" name="TextShape 1"/>
+          <p:cNvSpPr txBox="1"/>
           <p:nvPr/>
         </p:nvSpPr>
         <p:spPr>
           <a:xfrm>
-            <a:off x="-1" y="0"/>
-            <a:ext cx="11280531" cy="767880"/>
+            <a:off x="0" y="0"/>
+            <a:ext cx="12191760" cy="767880"/>
           </a:xfrm>
           <a:prstGeom prst="rect">
             <a:avLst/>
@@ -8219,18 +8221,6 @@
             <a:noFill/>
           </a:ln>
         </p:spPr>
-        <p:style>
-          <a:lnRef idx="0">
-            <a:scrgbClr r="0" g="0" b="0"/>
-          </a:lnRef>
-          <a:fillRef idx="0">
-            <a:scrgbClr r="0" g="0" b="0"/>
-          </a:fillRef>
-          <a:effectRef idx="0">
-            <a:scrgbClr r="0" g="0" b="0"/>
-          </a:effectRef>
-          <a:fontRef idx="minor"/>
-        </p:style>
         <p:txBody>
           <a:bodyPr anchor="ctr"/>
           <a:lstStyle/>
@@ -8247,17 +8237,29 @@
                 </a:solidFill>
                 <a:latin typeface="Segoe UI Light"/>
               </a:rPr>
-              <a:t>3. High level architecture &amp; Technologies used</a:t>
+              <a:t> 3.</a:t>
+            </a:r>
+            <a:r>
+              <a:rPr lang="en-US" sz="4400" b="1" spc="-1" dirty="0">
+                <a:solidFill>
+                  <a:srgbClr val="FFFFFF"/>
+                </a:solidFill>
+                <a:latin typeface="Segoe UI Light"/>
+              </a:rPr>
+              <a:t>Key abstractions</a:t>
             </a:r>
             <a:endParaRPr lang="en-US" sz="4400" b="0" strike="noStrike" spc="-1" dirty="0">
-              <a:latin typeface="Arial"/>
-            </a:endParaRPr>
-          </a:p>
-        </p:txBody>
-      </p:sp>
-      <p:sp>
-        <p:nvSpPr>
-          <p:cNvPr id="149" name="TextShape 2"/>
+              <a:solidFill>
+                <a:srgbClr val="000000"/>
+              </a:solidFill>
+              <a:latin typeface="Segoe UI"/>
+            </a:endParaRPr>
+          </a:p>
+        </p:txBody>
+      </p:sp>
+      <p:sp>
+        <p:nvSpPr>
+          <p:cNvPr id="146" name="TextShape 3"/>
           <p:cNvSpPr txBox="1"/>
           <p:nvPr/>
         </p:nvSpPr>
@@ -8283,7 +8285,7 @@
                 <a:spcPct val="100000"/>
               </a:lnSpc>
             </a:pPr>
-            <a:fld id="{7EB7B141-97E4-4C6B-93F6-092654EC3497}" type="slidenum">
+            <a:fld id="{5DDC0BF7-6A0F-48B6-B445-937D1E44347D}" type="slidenum">
               <a:rPr lang="en-US" sz="1200" b="0" strike="noStrike" spc="-1">
                 <a:solidFill>
                   <a:srgbClr val="8B8B8B"/>
@@ -8298,167 +8300,137 @@
           </a:p>
         </p:txBody>
       </p:sp>
-      <p:pic>
-        <p:nvPicPr>
-          <p:cNvPr id="4" name="Picture 3"/>
-          <p:cNvPicPr>
-            <a:picLocks noChangeAspect="1"/>
-          </p:cNvPicPr>
-          <p:nvPr/>
-        </p:nvPicPr>
-        <p:blipFill>
-          <a:blip r:embed="rId2" cstate="print">
-            <a:extLst>
-              <a:ext uri="{28A0092B-C50C-407E-A947-70E740481C1C}">
-                <a14:useLocalDpi xmlns:a14="http://schemas.microsoft.com/office/drawing/2010/main" val="0"/>
-              </a:ext>
-            </a:extLst>
-          </a:blip>
-          <a:stretch>
-            <a:fillRect/>
-          </a:stretch>
-        </p:blipFill>
-        <p:spPr>
-          <a:xfrm>
-            <a:off x="9090879" y="4929511"/>
-            <a:ext cx="1137362" cy="1137362"/>
-          </a:xfrm>
-          <a:prstGeom prst="rect">
-            <a:avLst/>
-          </a:prstGeom>
-        </p:spPr>
-      </p:pic>
-      <p:pic>
-        <p:nvPicPr>
-          <p:cNvPr id="1026" name="Picture 2" descr="servlet icon-н зурган илэрц&quot;">
+      <p:sp>
+        <p:nvSpPr>
+          <p:cNvPr id="2" name="TextBox 1">
             <a:extLst>
               <a:ext uri="{FF2B5EF4-FFF2-40B4-BE49-F238E27FC236}">
-                <a16:creationId xmlns:a16="http://schemas.microsoft.com/office/drawing/2014/main" id="{CBCC2928-73B6-4FDF-B917-42E1E9A9CBDC}"/>
+                <a16:creationId xmlns:a16="http://schemas.microsoft.com/office/drawing/2014/main" id="{95B234B3-759C-FD42-8988-65BDD437A2F4}"/>
               </a:ext>
             </a:extLst>
           </p:cNvPr>
-          <p:cNvPicPr>
-            <a:picLocks noChangeAspect="1" noChangeArrowheads="1"/>
-          </p:cNvPicPr>
+          <p:cNvSpPr txBox="1"/>
           <p:nvPr/>
-        </p:nvPicPr>
-        <p:blipFill>
-          <a:blip r:embed="rId3">
-            <a:extLst>
-              <a:ext uri="{28A0092B-C50C-407E-A947-70E740481C1C}">
-                <a14:useLocalDpi xmlns:a14="http://schemas.microsoft.com/office/drawing/2010/main" val="0"/>
-              </a:ext>
-            </a:extLst>
-          </a:blip>
-          <a:srcRect/>
-          <a:stretch>
-            <a:fillRect/>
-          </a:stretch>
-        </p:blipFill>
-        <p:spPr bwMode="auto">
-          <a:xfrm>
-            <a:off x="8634889" y="2699822"/>
-            <a:ext cx="2049341" cy="1724756"/>
+        </p:nvSpPr>
+        <p:spPr>
+          <a:xfrm>
+            <a:off x="2169994" y="2314491"/>
+            <a:ext cx="7287905" cy="3139321"/>
           </a:xfrm>
           <a:prstGeom prst="rect">
             <a:avLst/>
           </a:prstGeom>
           <a:noFill/>
-          <a:extLst>
-            <a:ext uri="{909E8E84-426E-40DD-AFC4-6F175D3DCCD1}">
-              <a14:hiddenFill xmlns:a14="http://schemas.microsoft.com/office/drawing/2010/main">
-                <a:solidFill>
-                  <a:srgbClr val="FFFFFF"/>
-                </a:solidFill>
-              </a14:hiddenFill>
-            </a:ext>
-          </a:extLst>
-        </p:spPr>
-      </p:pic>
-      <p:pic>
-        <p:nvPicPr>
-          <p:cNvPr id="1034" name="Picture 10" descr="html5_css_javascript">
-            <a:extLst>
-              <a:ext uri="{FF2B5EF4-FFF2-40B4-BE49-F238E27FC236}">
-                <a16:creationId xmlns:a16="http://schemas.microsoft.com/office/drawing/2014/main" id="{02EF110E-C40C-4CC7-8237-E12E259EE32A}"/>
-              </a:ext>
-            </a:extLst>
-          </p:cNvPr>
-          <p:cNvPicPr>
-            <a:picLocks noChangeAspect="1" noChangeArrowheads="1"/>
-          </p:cNvPicPr>
-          <p:nvPr/>
-        </p:nvPicPr>
-        <p:blipFill>
-          <a:blip r:embed="rId4" cstate="print">
-            <a:extLst>
-              <a:ext uri="{28A0092B-C50C-407E-A947-70E740481C1C}">
-                <a14:useLocalDpi xmlns:a14="http://schemas.microsoft.com/office/drawing/2010/main" val="0"/>
-              </a:ext>
-            </a:extLst>
-          </a:blip>
-          <a:srcRect/>
-          <a:stretch>
-            <a:fillRect/>
-          </a:stretch>
-        </p:blipFill>
-        <p:spPr bwMode="auto">
-          <a:xfrm>
-            <a:off x="8311266" y="1057526"/>
-            <a:ext cx="2696588" cy="1260600"/>
-          </a:xfrm>
-          <a:prstGeom prst="rect">
-            <a:avLst/>
-          </a:prstGeom>
-          <a:noFill/>
-          <a:extLst>
-            <a:ext uri="{909E8E84-426E-40DD-AFC4-6F175D3DCCD1}">
-              <a14:hiddenFill xmlns:a14="http://schemas.microsoft.com/office/drawing/2010/main">
-                <a:solidFill>
-                  <a:srgbClr val="FFFFFF"/>
-                </a:solidFill>
-              </a14:hiddenFill>
-            </a:ext>
-          </a:extLst>
-        </p:spPr>
-      </p:pic>
-      <p:pic>
-        <p:nvPicPr>
-          <p:cNvPr id="3" name="Picture 2">
-            <a:extLst>
-              <a:ext uri="{FF2B5EF4-FFF2-40B4-BE49-F238E27FC236}">
-                <a16:creationId xmlns:a16="http://schemas.microsoft.com/office/drawing/2014/main" id="{B1C28B73-5B43-ED4B-86AD-3900554AB970}"/>
-              </a:ext>
-            </a:extLst>
-          </p:cNvPr>
-          <p:cNvPicPr>
-            <a:picLocks noChangeAspect="1"/>
-          </p:cNvPicPr>
-          <p:nvPr/>
-        </p:nvPicPr>
-        <p:blipFill>
-          <a:blip r:embed="rId5">
-            <a:extLst>
-              <a:ext uri="{28A0092B-C50C-407E-A947-70E740481C1C}">
-                <a14:useLocalDpi xmlns:a14="http://schemas.microsoft.com/office/drawing/2010/main" val="0"/>
-              </a:ext>
-            </a:extLst>
-          </a:blip>
-          <a:stretch>
-            <a:fillRect/>
-          </a:stretch>
-        </p:blipFill>
-        <p:spPr>
-          <a:xfrm>
-            <a:off x="1184147" y="853669"/>
-            <a:ext cx="6324074" cy="5712023"/>
-          </a:xfrm>
-          <a:prstGeom prst="rect">
-            <a:avLst/>
-          </a:prstGeom>
-        </p:spPr>
-      </p:pic>
+        </p:spPr>
+        <p:txBody>
+          <a:bodyPr wrap="square" rtlCol="0">
+            <a:spAutoFit/>
+          </a:bodyPr>
+          <a:lstStyle/>
+          <a:p>
+            <a:pPr marL="342900" indent="-342900">
+              <a:buAutoNum type="arabicPeriod"/>
+            </a:pPr>
+            <a:r>
+              <a:rPr lang="en-AZ" dirty="0"/>
+              <a:t>Student</a:t>
+            </a:r>
+          </a:p>
+          <a:p>
+            <a:pPr marL="342900" indent="-342900">
+              <a:buAutoNum type="arabicPeriod"/>
+            </a:pPr>
+            <a:r>
+              <a:rPr lang="en-AZ" dirty="0"/>
+              <a:t>Administrator</a:t>
+            </a:r>
+          </a:p>
+          <a:p>
+            <a:pPr marL="342900" indent="-342900">
+              <a:buAutoNum type="arabicPeriod"/>
+            </a:pPr>
+            <a:r>
+              <a:rPr lang="en-AZ" dirty="0"/>
+              <a:t>Faculty</a:t>
+            </a:r>
+          </a:p>
+          <a:p>
+            <a:pPr marL="342900" indent="-342900">
+              <a:buAutoNum type="arabicPeriod"/>
+            </a:pPr>
+            <a:r>
+              <a:rPr lang="en-AZ" dirty="0"/>
+              <a:t>Course</a:t>
+            </a:r>
+          </a:p>
+          <a:p>
+            <a:pPr marL="342900" indent="-342900">
+              <a:buAutoNum type="arabicPeriod"/>
+            </a:pPr>
+            <a:r>
+              <a:rPr lang="en-AZ" dirty="0"/>
+              <a:t>Block</a:t>
+            </a:r>
+          </a:p>
+          <a:p>
+            <a:pPr marL="342900" indent="-342900">
+              <a:buAutoNum type="arabicPeriod"/>
+            </a:pPr>
+            <a:r>
+              <a:rPr lang="en-AZ" dirty="0"/>
+              <a:t>Class</a:t>
+            </a:r>
+          </a:p>
+          <a:p>
+            <a:pPr marL="342900" indent="-342900">
+              <a:buAutoNum type="arabicPeriod"/>
+            </a:pPr>
+            <a:r>
+              <a:rPr lang="en-AZ" dirty="0"/>
+              <a:t>Available Seats</a:t>
+            </a:r>
+          </a:p>
+          <a:p>
+            <a:pPr marL="342900" indent="-342900">
+              <a:buAutoNum type="arabicPeriod"/>
+            </a:pPr>
+            <a:r>
+              <a:rPr lang="en-AZ" dirty="0"/>
+              <a:t>Prerequisite</a:t>
+            </a:r>
+          </a:p>
+          <a:p>
+            <a:pPr marL="342900" indent="-342900">
+              <a:buAutoNum type="arabicPeriod"/>
+            </a:pPr>
+            <a:r>
+              <a:rPr lang="en-AZ" dirty="0"/>
+              <a:t>Transcript</a:t>
+            </a:r>
+          </a:p>
+          <a:p>
+            <a:pPr marL="342900" indent="-342900">
+              <a:buAutoNum type="arabicPeriod"/>
+            </a:pPr>
+            <a:r>
+              <a:rPr lang="en-AZ" dirty="0"/>
+              <a:t>Grade</a:t>
+            </a:r>
+          </a:p>
+          <a:p>
+            <a:pPr marL="342900" indent="-342900">
+              <a:buAutoNum type="arabicPeriod"/>
+            </a:pPr>
+            <a:endParaRPr lang="en-AZ" dirty="0"/>
+          </a:p>
+        </p:txBody>
+      </p:sp>
     </p:spTree>
+    <p:extLst>
+      <p:ext uri="{BB962C8B-B14F-4D97-AF65-F5344CB8AC3E}">
+        <p14:creationId xmlns:p14="http://schemas.microsoft.com/office/powerpoint/2010/main" val="612682987"/>
+      </p:ext>
+    </p:extLst>
   </p:cSld>
   <p:clrMapOvr>
     <a:masterClrMapping/>
@@ -8512,14 +8484,14 @@
       </p:grpSpPr>
       <p:sp>
         <p:nvSpPr>
-          <p:cNvPr id="154" name="CustomShape 1"/>
-          <p:cNvSpPr/>
+          <p:cNvPr id="143" name="TextShape 1"/>
+          <p:cNvSpPr txBox="1"/>
           <p:nvPr/>
         </p:nvSpPr>
         <p:spPr>
           <a:xfrm>
             <a:off x="0" y="0"/>
-            <a:ext cx="8949128" cy="767880"/>
+            <a:ext cx="12191760" cy="767880"/>
           </a:xfrm>
           <a:prstGeom prst="rect">
             <a:avLst/>
@@ -8531,18 +8503,6 @@
             <a:noFill/>
           </a:ln>
         </p:spPr>
-        <p:style>
-          <a:lnRef idx="0">
-            <a:scrgbClr r="0" g="0" b="0"/>
-          </a:lnRef>
-          <a:fillRef idx="0">
-            <a:scrgbClr r="0" g="0" b="0"/>
-          </a:fillRef>
-          <a:effectRef idx="0">
-            <a:scrgbClr r="0" g="0" b="0"/>
-          </a:effectRef>
-          <a:fontRef idx="minor"/>
-        </p:style>
         <p:txBody>
           <a:bodyPr anchor="ctr"/>
           <a:lstStyle/>
@@ -8559,17 +8519,29 @@
                 </a:solidFill>
                 <a:latin typeface="Segoe UI Light"/>
               </a:rPr>
-              <a:t> 4. Class Diagram</a:t>
+              <a:t> 4.Use case </a:t>
+            </a:r>
+            <a:r>
+              <a:rPr lang="en-US" sz="4400" b="1" spc="-1" dirty="0">
+                <a:solidFill>
+                  <a:srgbClr val="FFFFFF"/>
+                </a:solidFill>
+                <a:latin typeface="Segoe UI Light"/>
+              </a:rPr>
+              <a:t>description ( a sample )</a:t>
             </a:r>
             <a:endParaRPr lang="en-US" sz="4400" b="0" strike="noStrike" spc="-1" dirty="0">
-              <a:latin typeface="Arial"/>
-            </a:endParaRPr>
-          </a:p>
-        </p:txBody>
-      </p:sp>
-      <p:sp>
-        <p:nvSpPr>
-          <p:cNvPr id="155" name="TextShape 2"/>
+              <a:solidFill>
+                <a:srgbClr val="000000"/>
+              </a:solidFill>
+              <a:latin typeface="Segoe UI"/>
+            </a:endParaRPr>
+          </a:p>
+        </p:txBody>
+      </p:sp>
+      <p:sp>
+        <p:nvSpPr>
+          <p:cNvPr id="146" name="TextShape 3"/>
           <p:cNvSpPr txBox="1"/>
           <p:nvPr/>
         </p:nvSpPr>
@@ -8595,7 +8567,7 @@
                 <a:spcPct val="100000"/>
               </a:lnSpc>
             </a:pPr>
-            <a:fld id="{AA7148DE-1626-4DFD-B32E-97E9F49FC9A6}" type="slidenum">
+            <a:fld id="{5DDC0BF7-6A0F-48B6-B445-937D1E44347D}" type="slidenum">
               <a:rPr lang="en-US" sz="1200" b="0" strike="noStrike" spc="-1">
                 <a:solidFill>
                   <a:srgbClr val="8B8B8B"/>
@@ -8612,10 +8584,10 @@
       </p:sp>
       <p:pic>
         <p:nvPicPr>
-          <p:cNvPr id="4" name="Picture 3">
+          <p:cNvPr id="3" name="Picture 2">
             <a:extLst>
               <a:ext uri="{FF2B5EF4-FFF2-40B4-BE49-F238E27FC236}">
-                <a16:creationId xmlns:a16="http://schemas.microsoft.com/office/drawing/2014/main" id="{060AD648-1D04-074F-96D5-6FE498647FF4}"/>
+                <a16:creationId xmlns:a16="http://schemas.microsoft.com/office/drawing/2014/main" id="{ECE4C83A-AC2E-FD47-955A-337B11063CA2}"/>
               </a:ext>
             </a:extLst>
           </p:cNvPr>
@@ -8638,8 +8610,8 @@
         </p:blipFill>
         <p:spPr>
           <a:xfrm>
-            <a:off x="2278505" y="767880"/>
-            <a:ext cx="7815594" cy="6090120"/>
+            <a:off x="2999232" y="891148"/>
+            <a:ext cx="5458714" cy="5647712"/>
           </a:xfrm>
           <a:prstGeom prst="rect">
             <a:avLst/>
@@ -8647,6 +8619,11 @@
         </p:spPr>
       </p:pic>
     </p:spTree>
+    <p:extLst>
+      <p:ext uri="{BB962C8B-B14F-4D97-AF65-F5344CB8AC3E}">
+        <p14:creationId xmlns:p14="http://schemas.microsoft.com/office/powerpoint/2010/main" val="2359140470"/>
+      </p:ext>
+    </p:extLst>
   </p:cSld>
   <p:clrMapOvr>
     <a:masterClrMapping/>
@@ -8700,6 +8677,515 @@
       </p:grpSpPr>
       <p:sp>
         <p:nvSpPr>
+          <p:cNvPr id="148" name="CustomShape 1"/>
+          <p:cNvSpPr/>
+          <p:nvPr/>
+        </p:nvSpPr>
+        <p:spPr>
+          <a:xfrm>
+            <a:off x="-1" y="0"/>
+            <a:ext cx="11280531" cy="767880"/>
+          </a:xfrm>
+          <a:prstGeom prst="rect">
+            <a:avLst/>
+          </a:prstGeom>
+          <a:solidFill>
+            <a:srgbClr val="D24726"/>
+          </a:solidFill>
+          <a:ln>
+            <a:noFill/>
+          </a:ln>
+        </p:spPr>
+        <p:style>
+          <a:lnRef idx="0">
+            <a:scrgbClr r="0" g="0" b="0"/>
+          </a:lnRef>
+          <a:fillRef idx="0">
+            <a:scrgbClr r="0" g="0" b="0"/>
+          </a:fillRef>
+          <a:effectRef idx="0">
+            <a:scrgbClr r="0" g="0" b="0"/>
+          </a:effectRef>
+          <a:fontRef idx="minor"/>
+        </p:style>
+        <p:txBody>
+          <a:bodyPr anchor="ctr"/>
+          <a:lstStyle/>
+          <a:p>
+            <a:pPr>
+              <a:lnSpc>
+                <a:spcPct val="100000"/>
+              </a:lnSpc>
+            </a:pPr>
+            <a:r>
+              <a:rPr lang="en-US" sz="4400" b="1" spc="-1" dirty="0">
+                <a:solidFill>
+                  <a:srgbClr val="FFFFFF"/>
+                </a:solidFill>
+                <a:latin typeface="Segoe UI Light"/>
+              </a:rPr>
+              <a:t>5</a:t>
+            </a:r>
+            <a:r>
+              <a:rPr lang="en-US" sz="4400" b="1" strike="noStrike" spc="-1" dirty="0">
+                <a:solidFill>
+                  <a:srgbClr val="FFFFFF"/>
+                </a:solidFill>
+                <a:latin typeface="Segoe UI Light"/>
+              </a:rPr>
+              <a:t>. High level architecture &amp; Technologies used</a:t>
+            </a:r>
+            <a:endParaRPr lang="en-US" sz="4400" b="0" strike="noStrike" spc="-1" dirty="0">
+              <a:latin typeface="Arial"/>
+            </a:endParaRPr>
+          </a:p>
+        </p:txBody>
+      </p:sp>
+      <p:sp>
+        <p:nvSpPr>
+          <p:cNvPr id="149" name="TextShape 2"/>
+          <p:cNvSpPr txBox="1"/>
+          <p:nvPr/>
+        </p:nvSpPr>
+        <p:spPr>
+          <a:xfrm>
+            <a:off x="8077320" y="6356520"/>
+            <a:ext cx="3276360" cy="364680"/>
+          </a:xfrm>
+          <a:prstGeom prst="rect">
+            <a:avLst/>
+          </a:prstGeom>
+          <a:noFill/>
+          <a:ln>
+            <a:noFill/>
+          </a:ln>
+        </p:spPr>
+        <p:txBody>
+          <a:bodyPr anchor="ctr"/>
+          <a:lstStyle/>
+          <a:p>
+            <a:pPr algn="r">
+              <a:lnSpc>
+                <a:spcPct val="100000"/>
+              </a:lnSpc>
+            </a:pPr>
+            <a:fld id="{7EB7B141-97E4-4C6B-93F6-092654EC3497}" type="slidenum">
+              <a:rPr lang="en-US" sz="1200" b="0" strike="noStrike" spc="-1">
+                <a:solidFill>
+                  <a:srgbClr val="8B8B8B"/>
+                </a:solidFill>
+                <a:latin typeface="Segoe UI"/>
+              </a:rPr>
+              <a:t>6</a:t>
+            </a:fld>
+            <a:endParaRPr lang="en-US" sz="1200" b="0" strike="noStrike" spc="-1">
+              <a:latin typeface="Times New Roman"/>
+            </a:endParaRPr>
+          </a:p>
+        </p:txBody>
+      </p:sp>
+      <p:pic>
+        <p:nvPicPr>
+          <p:cNvPr id="4" name="Picture 3"/>
+          <p:cNvPicPr>
+            <a:picLocks noChangeAspect="1"/>
+          </p:cNvPicPr>
+          <p:nvPr/>
+        </p:nvPicPr>
+        <p:blipFill>
+          <a:blip r:embed="rId2" cstate="print">
+            <a:extLst>
+              <a:ext uri="{28A0092B-C50C-407E-A947-70E740481C1C}">
+                <a14:useLocalDpi xmlns:a14="http://schemas.microsoft.com/office/drawing/2010/main" val="0"/>
+              </a:ext>
+            </a:extLst>
+          </a:blip>
+          <a:stretch>
+            <a:fillRect/>
+          </a:stretch>
+        </p:blipFill>
+        <p:spPr>
+          <a:xfrm>
+            <a:off x="9090879" y="4929511"/>
+            <a:ext cx="1137362" cy="1137362"/>
+          </a:xfrm>
+          <a:prstGeom prst="rect">
+            <a:avLst/>
+          </a:prstGeom>
+        </p:spPr>
+      </p:pic>
+      <p:pic>
+        <p:nvPicPr>
+          <p:cNvPr id="1026" name="Picture 2" descr="servlet icon-н зурган илэрц&quot;">
+            <a:extLst>
+              <a:ext uri="{FF2B5EF4-FFF2-40B4-BE49-F238E27FC236}">
+                <a16:creationId xmlns:a16="http://schemas.microsoft.com/office/drawing/2014/main" id="{CBCC2928-73B6-4FDF-B917-42E1E9A9CBDC}"/>
+              </a:ext>
+            </a:extLst>
+          </p:cNvPr>
+          <p:cNvPicPr>
+            <a:picLocks noChangeAspect="1" noChangeArrowheads="1"/>
+          </p:cNvPicPr>
+          <p:nvPr/>
+        </p:nvPicPr>
+        <p:blipFill>
+          <a:blip r:embed="rId3">
+            <a:extLst>
+              <a:ext uri="{28A0092B-C50C-407E-A947-70E740481C1C}">
+                <a14:useLocalDpi xmlns:a14="http://schemas.microsoft.com/office/drawing/2010/main" val="0"/>
+              </a:ext>
+            </a:extLst>
+          </a:blip>
+          <a:srcRect/>
+          <a:stretch>
+            <a:fillRect/>
+          </a:stretch>
+        </p:blipFill>
+        <p:spPr bwMode="auto">
+          <a:xfrm>
+            <a:off x="8634889" y="2699822"/>
+            <a:ext cx="2049341" cy="1724756"/>
+          </a:xfrm>
+          <a:prstGeom prst="rect">
+            <a:avLst/>
+          </a:prstGeom>
+          <a:noFill/>
+          <a:extLst>
+            <a:ext uri="{909E8E84-426E-40DD-AFC4-6F175D3DCCD1}">
+              <a14:hiddenFill xmlns:a14="http://schemas.microsoft.com/office/drawing/2010/main">
+                <a:solidFill>
+                  <a:srgbClr val="FFFFFF"/>
+                </a:solidFill>
+              </a14:hiddenFill>
+            </a:ext>
+          </a:extLst>
+        </p:spPr>
+      </p:pic>
+      <p:pic>
+        <p:nvPicPr>
+          <p:cNvPr id="1034" name="Picture 10" descr="html5_css_javascript">
+            <a:extLst>
+              <a:ext uri="{FF2B5EF4-FFF2-40B4-BE49-F238E27FC236}">
+                <a16:creationId xmlns:a16="http://schemas.microsoft.com/office/drawing/2014/main" id="{02EF110E-C40C-4CC7-8237-E12E259EE32A}"/>
+              </a:ext>
+            </a:extLst>
+          </p:cNvPr>
+          <p:cNvPicPr>
+            <a:picLocks noChangeAspect="1" noChangeArrowheads="1"/>
+          </p:cNvPicPr>
+          <p:nvPr/>
+        </p:nvPicPr>
+        <p:blipFill>
+          <a:blip r:embed="rId4" cstate="print">
+            <a:extLst>
+              <a:ext uri="{28A0092B-C50C-407E-A947-70E740481C1C}">
+                <a14:useLocalDpi xmlns:a14="http://schemas.microsoft.com/office/drawing/2010/main" val="0"/>
+              </a:ext>
+            </a:extLst>
+          </a:blip>
+          <a:srcRect/>
+          <a:stretch>
+            <a:fillRect/>
+          </a:stretch>
+        </p:blipFill>
+        <p:spPr bwMode="auto">
+          <a:xfrm>
+            <a:off x="8311266" y="1057526"/>
+            <a:ext cx="2696588" cy="1260600"/>
+          </a:xfrm>
+          <a:prstGeom prst="rect">
+            <a:avLst/>
+          </a:prstGeom>
+          <a:noFill/>
+          <a:extLst>
+            <a:ext uri="{909E8E84-426E-40DD-AFC4-6F175D3DCCD1}">
+              <a14:hiddenFill xmlns:a14="http://schemas.microsoft.com/office/drawing/2010/main">
+                <a:solidFill>
+                  <a:srgbClr val="FFFFFF"/>
+                </a:solidFill>
+              </a14:hiddenFill>
+            </a:ext>
+          </a:extLst>
+        </p:spPr>
+      </p:pic>
+      <p:pic>
+        <p:nvPicPr>
+          <p:cNvPr id="3" name="Picture 2">
+            <a:extLst>
+              <a:ext uri="{FF2B5EF4-FFF2-40B4-BE49-F238E27FC236}">
+                <a16:creationId xmlns:a16="http://schemas.microsoft.com/office/drawing/2014/main" id="{B1C28B73-5B43-ED4B-86AD-3900554AB970}"/>
+              </a:ext>
+            </a:extLst>
+          </p:cNvPr>
+          <p:cNvPicPr>
+            <a:picLocks noChangeAspect="1"/>
+          </p:cNvPicPr>
+          <p:nvPr/>
+        </p:nvPicPr>
+        <p:blipFill>
+          <a:blip r:embed="rId5">
+            <a:extLst>
+              <a:ext uri="{28A0092B-C50C-407E-A947-70E740481C1C}">
+                <a14:useLocalDpi xmlns:a14="http://schemas.microsoft.com/office/drawing/2010/main" val="0"/>
+              </a:ext>
+            </a:extLst>
+          </a:blip>
+          <a:stretch>
+            <a:fillRect/>
+          </a:stretch>
+        </p:blipFill>
+        <p:spPr>
+          <a:xfrm>
+            <a:off x="1184147" y="853669"/>
+            <a:ext cx="6324074" cy="5712023"/>
+          </a:xfrm>
+          <a:prstGeom prst="rect">
+            <a:avLst/>
+          </a:prstGeom>
+        </p:spPr>
+      </p:pic>
+    </p:spTree>
+  </p:cSld>
+  <p:clrMapOvr>
+    <a:masterClrMapping/>
+  </p:clrMapOvr>
+  <p:timing>
+    <p:tnLst>
+      <p:par>
+        <p:cTn id="1" dur="indefinite" restart="never" nodeType="tmRoot">
+          <p:childTnLst>
+            <p:seq>
+              <p:cTn id="2" dur="indefinite" nodeType="mainSeq"/>
+              <p:prevCondLst>
+                <p:cond evt="onPrev" delay="0">
+                  <p:tgtEl>
+                    <p:sldTgt/>
+                  </p:tgtEl>
+                </p:cond>
+              </p:prevCondLst>
+              <p:nextCondLst>
+                <p:cond evt="onNext" delay="0">
+                  <p:tgtEl>
+                    <p:sldTgt/>
+                  </p:tgtEl>
+                </p:cond>
+              </p:nextCondLst>
+            </p:seq>
+          </p:childTnLst>
+        </p:cTn>
+      </p:par>
+    </p:tnLst>
+  </p:timing>
+</p:sld>
+</file>
+
+<file path=ppt/slides/slide7.xml><?xml version="1.0" encoding="utf-8"?>
+<p:sld xmlns:a="http://schemas.openxmlformats.org/drawingml/2006/main" xmlns:r="http://schemas.openxmlformats.org/officeDocument/2006/relationships" xmlns:p="http://schemas.openxmlformats.org/presentationml/2006/main">
+  <p:cSld>
+    <p:spTree>
+      <p:nvGrpSpPr>
+        <p:cNvPr id="1" name=""/>
+        <p:cNvGrpSpPr/>
+        <p:nvPr/>
+      </p:nvGrpSpPr>
+      <p:grpSpPr>
+        <a:xfrm>
+          <a:off x="0" y="0"/>
+          <a:ext cx="0" cy="0"/>
+          <a:chOff x="0" y="0"/>
+          <a:chExt cx="0" cy="0"/>
+        </a:xfrm>
+      </p:grpSpPr>
+      <p:sp>
+        <p:nvSpPr>
+          <p:cNvPr id="154" name="CustomShape 1"/>
+          <p:cNvSpPr/>
+          <p:nvPr/>
+        </p:nvSpPr>
+        <p:spPr>
+          <a:xfrm>
+            <a:off x="0" y="0"/>
+            <a:ext cx="8949128" cy="767880"/>
+          </a:xfrm>
+          <a:prstGeom prst="rect">
+            <a:avLst/>
+          </a:prstGeom>
+          <a:solidFill>
+            <a:srgbClr val="D24726"/>
+          </a:solidFill>
+          <a:ln>
+            <a:noFill/>
+          </a:ln>
+        </p:spPr>
+        <p:style>
+          <a:lnRef idx="0">
+            <a:scrgbClr r="0" g="0" b="0"/>
+          </a:lnRef>
+          <a:fillRef idx="0">
+            <a:scrgbClr r="0" g="0" b="0"/>
+          </a:fillRef>
+          <a:effectRef idx="0">
+            <a:scrgbClr r="0" g="0" b="0"/>
+          </a:effectRef>
+          <a:fontRef idx="minor"/>
+        </p:style>
+        <p:txBody>
+          <a:bodyPr anchor="ctr"/>
+          <a:lstStyle/>
+          <a:p>
+            <a:pPr>
+              <a:lnSpc>
+                <a:spcPct val="100000"/>
+              </a:lnSpc>
+            </a:pPr>
+            <a:r>
+              <a:rPr lang="en-US" sz="4400" b="1" strike="noStrike" spc="-1" dirty="0">
+                <a:solidFill>
+                  <a:srgbClr val="FFFFFF"/>
+                </a:solidFill>
+                <a:latin typeface="Segoe UI Light"/>
+              </a:rPr>
+              <a:t> 6. Class Diagram</a:t>
+            </a:r>
+            <a:endParaRPr lang="en-US" sz="4400" b="0" strike="noStrike" spc="-1" dirty="0">
+              <a:latin typeface="Arial"/>
+            </a:endParaRPr>
+          </a:p>
+        </p:txBody>
+      </p:sp>
+      <p:sp>
+        <p:nvSpPr>
+          <p:cNvPr id="155" name="TextShape 2"/>
+          <p:cNvSpPr txBox="1"/>
+          <p:nvPr/>
+        </p:nvSpPr>
+        <p:spPr>
+          <a:xfrm>
+            <a:off x="8077320" y="6356520"/>
+            <a:ext cx="3276360" cy="364680"/>
+          </a:xfrm>
+          <a:prstGeom prst="rect">
+            <a:avLst/>
+          </a:prstGeom>
+          <a:noFill/>
+          <a:ln>
+            <a:noFill/>
+          </a:ln>
+        </p:spPr>
+        <p:txBody>
+          <a:bodyPr anchor="ctr"/>
+          <a:lstStyle/>
+          <a:p>
+            <a:pPr algn="r">
+              <a:lnSpc>
+                <a:spcPct val="100000"/>
+              </a:lnSpc>
+            </a:pPr>
+            <a:fld id="{AA7148DE-1626-4DFD-B32E-97E9F49FC9A6}" type="slidenum">
+              <a:rPr lang="en-US" sz="1200" b="0" strike="noStrike" spc="-1">
+                <a:solidFill>
+                  <a:srgbClr val="8B8B8B"/>
+                </a:solidFill>
+                <a:latin typeface="Segoe UI"/>
+              </a:rPr>
+              <a:t>7</a:t>
+            </a:fld>
+            <a:endParaRPr lang="en-US" sz="1200" b="0" strike="noStrike" spc="-1">
+              <a:latin typeface="Times New Roman"/>
+            </a:endParaRPr>
+          </a:p>
+        </p:txBody>
+      </p:sp>
+      <p:pic>
+        <p:nvPicPr>
+          <p:cNvPr id="4" name="Picture 3">
+            <a:extLst>
+              <a:ext uri="{FF2B5EF4-FFF2-40B4-BE49-F238E27FC236}">
+                <a16:creationId xmlns:a16="http://schemas.microsoft.com/office/drawing/2014/main" id="{060AD648-1D04-074F-96D5-6FE498647FF4}"/>
+              </a:ext>
+            </a:extLst>
+          </p:cNvPr>
+          <p:cNvPicPr>
+            <a:picLocks noChangeAspect="1"/>
+          </p:cNvPicPr>
+          <p:nvPr/>
+        </p:nvPicPr>
+        <p:blipFill>
+          <a:blip r:embed="rId2">
+            <a:extLst>
+              <a:ext uri="{28A0092B-C50C-407E-A947-70E740481C1C}">
+                <a14:useLocalDpi xmlns:a14="http://schemas.microsoft.com/office/drawing/2010/main" val="0"/>
+              </a:ext>
+            </a:extLst>
+          </a:blip>
+          <a:stretch>
+            <a:fillRect/>
+          </a:stretch>
+        </p:blipFill>
+        <p:spPr>
+          <a:xfrm>
+            <a:off x="2278505" y="767880"/>
+            <a:ext cx="7815594" cy="6090120"/>
+          </a:xfrm>
+          <a:prstGeom prst="rect">
+            <a:avLst/>
+          </a:prstGeom>
+        </p:spPr>
+      </p:pic>
+    </p:spTree>
+  </p:cSld>
+  <p:clrMapOvr>
+    <a:masterClrMapping/>
+  </p:clrMapOvr>
+  <p:timing>
+    <p:tnLst>
+      <p:par>
+        <p:cTn id="1" dur="indefinite" restart="never" nodeType="tmRoot">
+          <p:childTnLst>
+            <p:seq>
+              <p:cTn id="2" dur="indefinite" nodeType="mainSeq"/>
+              <p:prevCondLst>
+                <p:cond evt="onPrev" delay="0">
+                  <p:tgtEl>
+                    <p:sldTgt/>
+                  </p:tgtEl>
+                </p:cond>
+              </p:prevCondLst>
+              <p:nextCondLst>
+                <p:cond evt="onNext" delay="0">
+                  <p:tgtEl>
+                    <p:sldTgt/>
+                  </p:tgtEl>
+                </p:cond>
+              </p:nextCondLst>
+            </p:seq>
+          </p:childTnLst>
+        </p:cTn>
+      </p:par>
+    </p:tnLst>
+  </p:timing>
+</p:sld>
+</file>
+
+<file path=ppt/slides/slide8.xml><?xml version="1.0" encoding="utf-8"?>
+<p:sld xmlns:a="http://schemas.openxmlformats.org/drawingml/2006/main" xmlns:r="http://schemas.openxmlformats.org/officeDocument/2006/relationships" xmlns:p="http://schemas.openxmlformats.org/presentationml/2006/main">
+  <p:cSld>
+    <p:spTree>
+      <p:nvGrpSpPr>
+        <p:cNvPr id="1" name=""/>
+        <p:cNvGrpSpPr/>
+        <p:nvPr/>
+      </p:nvGrpSpPr>
+      <p:grpSpPr>
+        <a:xfrm>
+          <a:off x="0" y="0"/>
+          <a:ext cx="0" cy="0"/>
+          <a:chOff x="0" y="0"/>
+          <a:chExt cx="0" cy="0"/>
+        </a:xfrm>
+      </p:grpSpPr>
+      <p:sp>
+        <p:nvSpPr>
           <p:cNvPr id="170" name="TextShape 1"/>
           <p:cNvSpPr txBox="1"/>
           <p:nvPr/>
@@ -8877,7 +9363,7 @@
                 </a:solidFill>
                 <a:latin typeface="Segoe UI"/>
               </a:rPr>
-              <a:t>6</a:t>
+              <a:t>8</a:t>
             </a:fld>
             <a:endParaRPr lang="en-US" sz="1200" b="0" strike="noStrike" spc="-1">
               <a:latin typeface="Times New Roman"/>
